--- a/Presentation/app_concept.pptx
+++ b/Presentation/app_concept.pptx
@@ -129,12 +129,12 @@
   <pc:docChgLst>
     <pc:chgData name="Jonathan Jones" userId="2431a80d5eb40e4b" providerId="LiveId" clId="{BFAC3861-DF76-43BE-8F99-E9B344E549B0}"/>
     <pc:docChg chg="undo custSel addSld delSld modSld sldOrd">
-      <pc:chgData name="Jonathan Jones" userId="2431a80d5eb40e4b" providerId="LiveId" clId="{BFAC3861-DF76-43BE-8F99-E9B344E549B0}" dt="2022-01-30T15:07:30.102" v="2226" actId="1076"/>
+      <pc:chgData name="Jonathan Jones" userId="2431a80d5eb40e4b" providerId="LiveId" clId="{BFAC3861-DF76-43BE-8F99-E9B344E549B0}" dt="2022-02-11T02:45:33.469" v="2230" actId="1076"/>
       <pc:docMkLst>
         <pc:docMk/>
       </pc:docMkLst>
       <pc:sldChg chg="addSp delSp modSp mod ord">
-        <pc:chgData name="Jonathan Jones" userId="2431a80d5eb40e4b" providerId="LiveId" clId="{BFAC3861-DF76-43BE-8F99-E9B344E549B0}" dt="2022-01-30T14:46:32.556" v="1115" actId="1076"/>
+        <pc:chgData name="Jonathan Jones" userId="2431a80d5eb40e4b" providerId="LiveId" clId="{BFAC3861-DF76-43BE-8F99-E9B344E549B0}" dt="2022-02-11T02:45:33.469" v="2230" actId="1076"/>
         <pc:sldMkLst>
           <pc:docMk/>
           <pc:sldMk cId="2508121378" sldId="256"/>
@@ -153,6 +153,14 @@
             <pc:docMk/>
             <pc:sldMk cId="2508121378" sldId="256"/>
             <ac:spMk id="6" creationId="{E668E2D6-26D6-4A13-A959-FB2FE905F39B}"/>
+          </ac:spMkLst>
+        </pc:spChg>
+        <pc:spChg chg="mod">
+          <ac:chgData name="Jonathan Jones" userId="2431a80d5eb40e4b" providerId="LiveId" clId="{BFAC3861-DF76-43BE-8F99-E9B344E549B0}" dt="2022-02-11T02:45:33.469" v="2230" actId="1076"/>
+          <ac:spMkLst>
+            <pc:docMk/>
+            <pc:sldMk cId="2508121378" sldId="256"/>
+            <ac:spMk id="12" creationId="{9AB66DF4-725D-4ADE-860A-E8B125C71DED}"/>
           </ac:spMkLst>
         </pc:spChg>
         <pc:spChg chg="add mod">
@@ -847,7 +855,7 @@
           <a:p>
             <a:fld id="{0720B5B0-4634-490D-9DEC-1AA2B126D4FE}" type="datetimeFigureOut">
               <a:rPr lang="en-US" smtClean="0"/>
-              <a:t>1/30/2022</a:t>
+              <a:t>2/10/2022</a:t>
             </a:fld>
             <a:endParaRPr lang="en-US"/>
           </a:p>
@@ -1045,7 +1053,7 @@
           <a:p>
             <a:fld id="{0720B5B0-4634-490D-9DEC-1AA2B126D4FE}" type="datetimeFigureOut">
               <a:rPr lang="en-US" smtClean="0"/>
-              <a:t>1/30/2022</a:t>
+              <a:t>2/10/2022</a:t>
             </a:fld>
             <a:endParaRPr lang="en-US"/>
           </a:p>
@@ -1253,7 +1261,7 @@
           <a:p>
             <a:fld id="{0720B5B0-4634-490D-9DEC-1AA2B126D4FE}" type="datetimeFigureOut">
               <a:rPr lang="en-US" smtClean="0"/>
-              <a:t>1/30/2022</a:t>
+              <a:t>2/10/2022</a:t>
             </a:fld>
             <a:endParaRPr lang="en-US"/>
           </a:p>
@@ -1451,7 +1459,7 @@
           <a:p>
             <a:fld id="{0720B5B0-4634-490D-9DEC-1AA2B126D4FE}" type="datetimeFigureOut">
               <a:rPr lang="en-US" smtClean="0"/>
-              <a:t>1/30/2022</a:t>
+              <a:t>2/10/2022</a:t>
             </a:fld>
             <a:endParaRPr lang="en-US"/>
           </a:p>
@@ -1726,7 +1734,7 @@
           <a:p>
             <a:fld id="{0720B5B0-4634-490D-9DEC-1AA2B126D4FE}" type="datetimeFigureOut">
               <a:rPr lang="en-US" smtClean="0"/>
-              <a:t>1/30/2022</a:t>
+              <a:t>2/10/2022</a:t>
             </a:fld>
             <a:endParaRPr lang="en-US"/>
           </a:p>
@@ -1991,7 +1999,7 @@
           <a:p>
             <a:fld id="{0720B5B0-4634-490D-9DEC-1AA2B126D4FE}" type="datetimeFigureOut">
               <a:rPr lang="en-US" smtClean="0"/>
-              <a:t>1/30/2022</a:t>
+              <a:t>2/10/2022</a:t>
             </a:fld>
             <a:endParaRPr lang="en-US"/>
           </a:p>
@@ -2403,7 +2411,7 @@
           <a:p>
             <a:fld id="{0720B5B0-4634-490D-9DEC-1AA2B126D4FE}" type="datetimeFigureOut">
               <a:rPr lang="en-US" smtClean="0"/>
-              <a:t>1/30/2022</a:t>
+              <a:t>2/10/2022</a:t>
             </a:fld>
             <a:endParaRPr lang="en-US"/>
           </a:p>
@@ -2544,7 +2552,7 @@
           <a:p>
             <a:fld id="{0720B5B0-4634-490D-9DEC-1AA2B126D4FE}" type="datetimeFigureOut">
               <a:rPr lang="en-US" smtClean="0"/>
-              <a:t>1/30/2022</a:t>
+              <a:t>2/10/2022</a:t>
             </a:fld>
             <a:endParaRPr lang="en-US"/>
           </a:p>
@@ -2657,7 +2665,7 @@
           <a:p>
             <a:fld id="{0720B5B0-4634-490D-9DEC-1AA2B126D4FE}" type="datetimeFigureOut">
               <a:rPr lang="en-US" smtClean="0"/>
-              <a:t>1/30/2022</a:t>
+              <a:t>2/10/2022</a:t>
             </a:fld>
             <a:endParaRPr lang="en-US"/>
           </a:p>
@@ -2968,7 +2976,7 @@
           <a:p>
             <a:fld id="{0720B5B0-4634-490D-9DEC-1AA2B126D4FE}" type="datetimeFigureOut">
               <a:rPr lang="en-US" smtClean="0"/>
-              <a:t>1/30/2022</a:t>
+              <a:t>2/10/2022</a:t>
             </a:fld>
             <a:endParaRPr lang="en-US"/>
           </a:p>
@@ -3256,7 +3264,7 @@
           <a:p>
             <a:fld id="{0720B5B0-4634-490D-9DEC-1AA2B126D4FE}" type="datetimeFigureOut">
               <a:rPr lang="en-US" smtClean="0"/>
-              <a:t>1/30/2022</a:t>
+              <a:t>2/10/2022</a:t>
             </a:fld>
             <a:endParaRPr lang="en-US"/>
           </a:p>
@@ -3497,7 +3505,7 @@
           <a:p>
             <a:fld id="{0720B5B0-4634-490D-9DEC-1AA2B126D4FE}" type="datetimeFigureOut">
               <a:rPr lang="en-US" smtClean="0"/>
-              <a:t>1/30/2022</a:t>
+              <a:t>2/10/2022</a:t>
             </a:fld>
             <a:endParaRPr lang="en-US"/>
           </a:p>
@@ -5266,8 +5274,8 @@
         </p:nvSpPr>
         <p:spPr>
           <a:xfrm>
-            <a:off x="11279586" y="1592744"/>
-            <a:ext cx="2696787" cy="1200329"/>
+            <a:off x="10196732" y="569423"/>
+            <a:ext cx="1995268" cy="1754326"/>
           </a:xfrm>
           <a:prstGeom prst="rect">
             <a:avLst/>
